--- a/Sunum_18MY03016_AltarBuğraBoğaz.pptx
+++ b/Sunum_18MY03016_AltarBuğraBoğaz.pptx
@@ -7,18 +7,17 @@
   <p:sldIdLst>
     <p:sldId id="256" r:id="rId2"/>
     <p:sldId id="257" r:id="rId3"/>
-    <p:sldId id="258" r:id="rId4"/>
-    <p:sldId id="259" r:id="rId5"/>
-    <p:sldId id="260" r:id="rId6"/>
-    <p:sldId id="261" r:id="rId7"/>
-    <p:sldId id="262" r:id="rId8"/>
-    <p:sldId id="263" r:id="rId9"/>
-    <p:sldId id="264" r:id="rId10"/>
-    <p:sldId id="265" r:id="rId11"/>
-    <p:sldId id="266" r:id="rId12"/>
+    <p:sldId id="259" r:id="rId4"/>
+    <p:sldId id="260" r:id="rId5"/>
+    <p:sldId id="261" r:id="rId6"/>
+    <p:sldId id="262" r:id="rId7"/>
+    <p:sldId id="263" r:id="rId8"/>
+    <p:sldId id="264" r:id="rId9"/>
+    <p:sldId id="265" r:id="rId10"/>
+    <p:sldId id="266" r:id="rId11"/>
+    <p:sldId id="271" r:id="rId12"/>
     <p:sldId id="268" r:id="rId13"/>
-    <p:sldId id="269" r:id="rId14"/>
-    <p:sldId id="270" r:id="rId15"/>
+    <p:sldId id="270" r:id="rId14"/>
   </p:sldIdLst>
   <p:sldSz cx="9144000" cy="6858000" type="screen4x3"/>
   <p:notesSz cx="6858000" cy="9144000"/>
@@ -340,7 +339,7 @@
             <a:fld id="{AAD25AEE-8856-4B5A-A5A6-D3CDCA4FF843}" type="datetimeFigureOut">
               <a:rPr lang="tr-TR" smtClean="0"/>
               <a:pPr/>
-              <a:t>26.04.2020</a:t>
+              <a:t>28.04.2020</a:t>
             </a:fld>
             <a:endParaRPr lang="tr-TR"/>
           </a:p>
@@ -529,7 +528,7 @@
             <a:fld id="{AAD25AEE-8856-4B5A-A5A6-D3CDCA4FF843}" type="datetimeFigureOut">
               <a:rPr lang="tr-TR" smtClean="0"/>
               <a:pPr/>
-              <a:t>26.04.2020</a:t>
+              <a:t>28.04.2020</a:t>
             </a:fld>
             <a:endParaRPr lang="tr-TR"/>
           </a:p>
@@ -706,7 +705,7 @@
             <a:fld id="{AAD25AEE-8856-4B5A-A5A6-D3CDCA4FF843}" type="datetimeFigureOut">
               <a:rPr lang="tr-TR" smtClean="0"/>
               <a:pPr/>
-              <a:t>26.04.2020</a:t>
+              <a:t>28.04.2020</a:t>
             </a:fld>
             <a:endParaRPr lang="tr-TR"/>
           </a:p>
@@ -888,7 +887,7 @@
             <a:fld id="{AAD25AEE-8856-4B5A-A5A6-D3CDCA4FF843}" type="datetimeFigureOut">
               <a:rPr lang="tr-TR" smtClean="0"/>
               <a:pPr/>
-              <a:t>26.04.2020</a:t>
+              <a:t>28.04.2020</a:t>
             </a:fld>
             <a:endParaRPr lang="tr-TR"/>
           </a:p>
@@ -1137,7 +1136,7 @@
             <a:fld id="{AAD25AEE-8856-4B5A-A5A6-D3CDCA4FF843}" type="datetimeFigureOut">
               <a:rPr lang="tr-TR" smtClean="0"/>
               <a:pPr/>
-              <a:t>26.04.2020</a:t>
+              <a:t>28.04.2020</a:t>
             </a:fld>
             <a:endParaRPr lang="tr-TR"/>
           </a:p>
@@ -1613,7 +1612,7 @@
             <a:fld id="{AAD25AEE-8856-4B5A-A5A6-D3CDCA4FF843}" type="datetimeFigureOut">
               <a:rPr lang="tr-TR" smtClean="0"/>
               <a:pPr/>
-              <a:t>26.04.2020</a:t>
+              <a:t>28.04.2020</a:t>
             </a:fld>
             <a:endParaRPr lang="tr-TR"/>
           </a:p>
@@ -2030,7 +2029,7 @@
             <a:fld id="{AAD25AEE-8856-4B5A-A5A6-D3CDCA4FF843}" type="datetimeFigureOut">
               <a:rPr lang="tr-TR" smtClean="0"/>
               <a:pPr/>
-              <a:t>26.04.2020</a:t>
+              <a:t>28.04.2020</a:t>
             </a:fld>
             <a:endParaRPr lang="tr-TR"/>
           </a:p>
@@ -2163,7 +2162,7 @@
             <a:fld id="{AAD25AEE-8856-4B5A-A5A6-D3CDCA4FF843}" type="datetimeFigureOut">
               <a:rPr lang="tr-TR" smtClean="0"/>
               <a:pPr/>
-              <a:t>26.04.2020</a:t>
+              <a:t>28.04.2020</a:t>
             </a:fld>
             <a:endParaRPr lang="tr-TR"/>
           </a:p>
@@ -2260,7 +2259,7 @@
             <a:fld id="{AAD25AEE-8856-4B5A-A5A6-D3CDCA4FF843}" type="datetimeFigureOut">
               <a:rPr lang="tr-TR" smtClean="0"/>
               <a:pPr/>
-              <a:t>26.04.2020</a:t>
+              <a:t>28.04.2020</a:t>
             </a:fld>
             <a:endParaRPr lang="tr-TR"/>
           </a:p>
@@ -2540,7 +2539,7 @@
             <a:fld id="{AAD25AEE-8856-4B5A-A5A6-D3CDCA4FF843}" type="datetimeFigureOut">
               <a:rPr lang="tr-TR" smtClean="0"/>
               <a:pPr/>
-              <a:t>26.04.2020</a:t>
+              <a:t>28.04.2020</a:t>
             </a:fld>
             <a:endParaRPr lang="tr-TR"/>
           </a:p>
@@ -2794,7 +2793,7 @@
             <a:fld id="{AAD25AEE-8856-4B5A-A5A6-D3CDCA4FF843}" type="datetimeFigureOut">
               <a:rPr lang="tr-TR" smtClean="0"/>
               <a:pPr/>
-              <a:t>26.04.2020</a:t>
+              <a:t>28.04.2020</a:t>
             </a:fld>
             <a:endParaRPr lang="tr-TR"/>
           </a:p>
@@ -3168,7 +3167,7 @@
             <a:fld id="{AAD25AEE-8856-4B5A-A5A6-D3CDCA4FF843}" type="datetimeFigureOut">
               <a:rPr lang="tr-TR" smtClean="0"/>
               <a:pPr/>
-              <a:t>26.04.2020</a:t>
+              <a:t>28.04.2020</a:t>
             </a:fld>
             <a:endParaRPr lang="tr-TR"/>
           </a:p>
@@ -3822,8 +3821,8 @@
         </p:nvSpPr>
         <p:spPr>
           <a:xfrm>
-            <a:off x="457200" y="500042"/>
-            <a:ext cx="8229600" cy="5954766"/>
+            <a:off x="457200" y="285728"/>
+            <a:ext cx="8229600" cy="6169080"/>
           </a:xfrm>
         </p:spPr>
         <p:txBody>
@@ -3832,23 +3831,7 @@
           <a:p>
             <a:r>
               <a:rPr lang="tr-TR" dirty="0" smtClean="0"/>
-              <a:t>Bir fonksiyon oluşturup  9x9 ebatlarında karelerimi kontrol ettirip gerçekleştirdim. </a:t>
-            </a:r>
-            <a:r>
-              <a:rPr lang="tr-TR" dirty="0" err="1" smtClean="0"/>
-              <a:t>For</a:t>
-            </a:r>
-            <a:r>
-              <a:rPr lang="tr-TR" dirty="0" smtClean="0"/>
-              <a:t> döngüsü tarzında </a:t>
-            </a:r>
-            <a:r>
-              <a:rPr lang="tr-TR" dirty="0" err="1" smtClean="0"/>
-              <a:t>while</a:t>
-            </a:r>
-            <a:r>
-              <a:rPr lang="tr-TR" dirty="0" smtClean="0"/>
-              <a:t> döngüsü oluşturdum.</a:t>
+              <a:t>Kontrol amaçlı oluşturduğum fonksiyonlarım.</a:t>
             </a:r>
           </a:p>
           <a:p>
@@ -3858,7 +3841,7 @@
       </p:sp>
       <p:pic>
         <p:nvPicPr>
-          <p:cNvPr id="3074" name="Picture 2" descr="C:\Desktop\sudoku-kod-görüntüleri\andkod2.PNG"/>
+          <p:cNvPr id="4098" name="Picture 2" descr="C:\Desktop\sudoku-kod-görüntüleri\andkod3.PNG"/>
           <p:cNvPicPr>
             <a:picLocks noChangeAspect="1" noChangeArrowheads="1"/>
           </p:cNvPicPr>
@@ -3873,8 +3856,8 @@
         </p:blipFill>
         <p:spPr bwMode="auto">
           <a:xfrm>
-            <a:off x="1643042" y="2857496"/>
-            <a:ext cx="5926138" cy="3038475"/>
+            <a:off x="2357422" y="1785926"/>
+            <a:ext cx="4200525" cy="4095750"/>
           </a:xfrm>
           <a:prstGeom prst="rect">
             <a:avLst/>
@@ -3887,9 +3870,6 @@
   <p:clrMapOvr>
     <a:masterClrMapping/>
   </p:clrMapOvr>
-  <p:transition>
-    <p:dissolve/>
-  </p:transition>
   <p:timing>
     <p:tnLst>
       <p:par>
@@ -3929,8 +3909,8 @@
         </p:nvSpPr>
         <p:spPr>
           <a:xfrm>
-            <a:off x="457200" y="285728"/>
-            <a:ext cx="8229600" cy="6169080"/>
+            <a:off x="500034" y="785794"/>
+            <a:ext cx="8229600" cy="2214578"/>
           </a:xfrm>
         </p:spPr>
         <p:txBody>
@@ -3939,17 +3919,29 @@
           <a:p>
             <a:r>
               <a:rPr lang="tr-TR" dirty="0" smtClean="0"/>
-              <a:t>Kontrol amaçlı oluşturduğum fonksiyonlarım.</a:t>
-            </a:r>
-          </a:p>
-          <a:p>
-            <a:endParaRPr lang="tr-TR" dirty="0"/>
+              <a:t>9x9  </a:t>
+            </a:r>
+            <a:r>
+              <a:rPr lang="tr-TR" dirty="0" smtClean="0"/>
+              <a:t>81 kare döndürüyorum ve haritayı her başlangıçta </a:t>
+            </a:r>
+            <a:r>
+              <a:rPr lang="tr-TR" dirty="0" err="1" smtClean="0"/>
+              <a:t>resetliyorum</a:t>
+            </a:r>
+            <a:r>
+              <a:rPr lang="tr-TR" dirty="0" smtClean="0"/>
+              <a:t>.</a:t>
+            </a:r>
+          </a:p>
+          <a:p>
+            <a:endParaRPr lang="tr-TR" dirty="0" smtClean="0"/>
           </a:p>
         </p:txBody>
       </p:sp>
       <p:pic>
         <p:nvPicPr>
-          <p:cNvPr id="4098" name="Picture 2" descr="C:\Desktop\sudoku-kod-görüntüleri\andkod3.PNG"/>
+          <p:cNvPr id="1027" name="Picture 3" descr="andkod5"/>
           <p:cNvPicPr>
             <a:picLocks noChangeAspect="1" noChangeArrowheads="1"/>
           </p:cNvPicPr>
@@ -3964,13 +3956,19 @@
         </p:blipFill>
         <p:spPr bwMode="auto">
           <a:xfrm>
-            <a:off x="2357422" y="1785926"/>
-            <a:ext cx="4200525" cy="4095750"/>
+            <a:off x="2071670" y="2857496"/>
+            <a:ext cx="4954588" cy="2387600"/>
           </a:xfrm>
           <a:prstGeom prst="rect">
             <a:avLst/>
           </a:prstGeom>
           <a:noFill/>
+          <a:ln w="9525">
+            <a:noFill/>
+            <a:miter lim="800000"/>
+            <a:headEnd/>
+            <a:tailEnd/>
+          </a:ln>
         </p:spPr>
       </p:pic>
     </p:spTree>
@@ -3978,13 +3976,6 @@
   <p:clrMapOvr>
     <a:masterClrMapping/>
   </p:clrMapOvr>
-  <p:timing>
-    <p:tnLst>
-      <p:par>
-        <p:cTn id="1" dur="indefinite" restart="never" nodeType="tmRoot"/>
-      </p:par>
-    </p:tnLst>
-  </p:timing>
 </p:sld>
 </file>
 
@@ -4026,12 +4017,8 @@
           <a:lstStyle/>
           <a:p>
             <a:r>
-              <a:rPr lang="tr-TR" smtClean="0"/>
-              <a:t>Son olarak sanal </a:t>
-            </a:r>
-            <a:r>
               <a:rPr lang="tr-TR" dirty="0" smtClean="0"/>
-              <a:t>cihazımızda uygulamayı başlattıktan sonra butona her basıldığında sayı ekliyor aynı işlemi alt tarafta yaptırarak tekrar butona basıldığı zaman siliyor.</a:t>
+              <a:t>Son olarak sanal cihazımızda uygulamayı başlattıktan sonra butona her basıldığında sayı ekliyor aynı işlemi alt tarafta yaptırarak tekrar butona basıldığı zaman siliyor.</a:t>
             </a:r>
             <a:endParaRPr lang="tr-TR" dirty="0"/>
           </a:p>
@@ -4082,252 +4069,6 @@
 </file>
 
 <file path=ppt/slides/slide13.xml><?xml version="1.0" encoding="utf-8"?>
-<p:sld xmlns:a="http://schemas.openxmlformats.org/drawingml/2006/main" xmlns:r="http://schemas.openxmlformats.org/officeDocument/2006/relationships" xmlns:p="http://schemas.openxmlformats.org/presentationml/2006/main">
-  <p:cSld>
-    <p:spTree>
-      <p:nvGrpSpPr>
-        <p:cNvPr id="1" name=""/>
-        <p:cNvGrpSpPr/>
-        <p:nvPr/>
-      </p:nvGrpSpPr>
-      <p:grpSpPr>
-        <a:xfrm>
-          <a:off x="0" y="0"/>
-          <a:ext cx="0" cy="0"/>
-          <a:chOff x="0" y="0"/>
-          <a:chExt cx="0" cy="0"/>
-        </a:xfrm>
-      </p:grpSpPr>
-      <p:sp>
-        <p:nvSpPr>
-          <p:cNvPr id="4" name="3 Dikdörtgen"/>
-          <p:cNvSpPr/>
-          <p:nvPr/>
-        </p:nvSpPr>
-        <p:spPr>
-          <a:xfrm>
-            <a:off x="928662" y="357166"/>
-            <a:ext cx="7116052" cy="923330"/>
-          </a:xfrm>
-          <a:prstGeom prst="rect">
-            <a:avLst/>
-          </a:prstGeom>
-          <a:noFill/>
-        </p:spPr>
-        <p:txBody>
-          <a:bodyPr wrap="none" lIns="91440" tIns="45720" rIns="91440" bIns="45720">
-            <a:spAutoFit/>
-            <a:scene3d>
-              <a:camera prst="orthographicFront"/>
-              <a:lightRig rig="glow" dir="tl">
-                <a:rot lat="0" lon="0" rev="5400000"/>
-              </a:lightRig>
-            </a:scene3d>
-            <a:sp3d contourW="12700">
-              <a:bevelT w="25400" h="25400"/>
-              <a:contourClr>
-                <a:schemeClr val="accent6">
-                  <a:shade val="73000"/>
-                </a:schemeClr>
-              </a:contourClr>
-            </a:sp3d>
-          </a:bodyPr>
-          <a:lstStyle/>
-          <a:p>
-            <a:pPr algn="ctr"/>
-            <a:r>
-              <a:rPr lang="tr-TR" sz="5400" b="1" dirty="0" smtClean="0">
-                <a:ln w="11430"/>
-                <a:gradFill>
-                  <a:gsLst>
-                    <a:gs pos="0">
-                      <a:schemeClr val="accent6">
-                        <a:tint val="90000"/>
-                        <a:satMod val="120000"/>
-                      </a:schemeClr>
-                    </a:gs>
-                    <a:gs pos="25000">
-                      <a:schemeClr val="accent6">
-                        <a:tint val="93000"/>
-                        <a:satMod val="120000"/>
-                      </a:schemeClr>
-                    </a:gs>
-                    <a:gs pos="50000">
-                      <a:schemeClr val="accent6">
-                        <a:shade val="89000"/>
-                        <a:satMod val="110000"/>
-                      </a:schemeClr>
-                    </a:gs>
-                    <a:gs pos="75000">
-                      <a:schemeClr val="accent6">
-                        <a:tint val="93000"/>
-                        <a:satMod val="120000"/>
-                      </a:schemeClr>
-                    </a:gs>
-                    <a:gs pos="100000">
-                      <a:schemeClr val="accent6">
-                        <a:tint val="90000"/>
-                        <a:satMod val="120000"/>
-                      </a:schemeClr>
-                    </a:gs>
-                  </a:gsLst>
-                  <a:lin ang="5400000"/>
-                </a:gradFill>
-                <a:effectLst>
-                  <a:outerShdw blurRad="80000" dist="40000" dir="5040000" algn="tl">
-                    <a:srgbClr val="000000">
-                      <a:alpha val="30000"/>
-                    </a:srgbClr>
-                  </a:outerShdw>
-                </a:effectLst>
-              </a:rPr>
-              <a:t>EKRAN GÖRÜNTÜLERİ</a:t>
-            </a:r>
-            <a:endParaRPr lang="tr-TR" sz="5400" b="1" cap="none" spc="0" dirty="0">
-              <a:ln w="11430"/>
-              <a:gradFill>
-                <a:gsLst>
-                  <a:gs pos="0">
-                    <a:schemeClr val="accent6">
-                      <a:tint val="90000"/>
-                      <a:satMod val="120000"/>
-                    </a:schemeClr>
-                  </a:gs>
-                  <a:gs pos="25000">
-                    <a:schemeClr val="accent6">
-                      <a:tint val="93000"/>
-                      <a:satMod val="120000"/>
-                    </a:schemeClr>
-                  </a:gs>
-                  <a:gs pos="50000">
-                    <a:schemeClr val="accent6">
-                      <a:shade val="89000"/>
-                      <a:satMod val="110000"/>
-                    </a:schemeClr>
-                  </a:gs>
-                  <a:gs pos="75000">
-                    <a:schemeClr val="accent6">
-                      <a:tint val="93000"/>
-                      <a:satMod val="120000"/>
-                    </a:schemeClr>
-                  </a:gs>
-                  <a:gs pos="100000">
-                    <a:schemeClr val="accent6">
-                      <a:tint val="90000"/>
-                      <a:satMod val="120000"/>
-                    </a:schemeClr>
-                  </a:gs>
-                </a:gsLst>
-                <a:lin ang="5400000"/>
-              </a:gradFill>
-              <a:effectLst>
-                <a:outerShdw blurRad="80000" dist="40000" dir="5040000" algn="tl">
-                  <a:srgbClr val="000000">
-                    <a:alpha val="30000"/>
-                  </a:srgbClr>
-                </a:outerShdw>
-              </a:effectLst>
-            </a:endParaRPr>
-          </a:p>
-        </p:txBody>
-      </p:sp>
-      <p:pic>
-        <p:nvPicPr>
-          <p:cNvPr id="2050" name="Picture 2" descr="C:\Desktop\sudoku-ss1.png"/>
-          <p:cNvPicPr>
-            <a:picLocks noChangeAspect="1" noChangeArrowheads="1"/>
-          </p:cNvPicPr>
-          <p:nvPr/>
-        </p:nvPicPr>
-        <p:blipFill>
-          <a:blip r:embed="rId2"/>
-          <a:srcRect/>
-          <a:stretch>
-            <a:fillRect/>
-          </a:stretch>
-        </p:blipFill>
-        <p:spPr bwMode="auto">
-          <a:xfrm>
-            <a:off x="571472" y="1571612"/>
-            <a:ext cx="2149194" cy="4552534"/>
-          </a:xfrm>
-          <a:prstGeom prst="rect">
-            <a:avLst/>
-          </a:prstGeom>
-          <a:noFill/>
-        </p:spPr>
-      </p:pic>
-      <p:pic>
-        <p:nvPicPr>
-          <p:cNvPr id="2051" name="Picture 3" descr="C:\Desktop\sudoku-ss2.png"/>
-          <p:cNvPicPr>
-            <a:picLocks noChangeAspect="1" noChangeArrowheads="1"/>
-          </p:cNvPicPr>
-          <p:nvPr/>
-        </p:nvPicPr>
-        <p:blipFill>
-          <a:blip r:embed="rId3"/>
-          <a:srcRect/>
-          <a:stretch>
-            <a:fillRect/>
-          </a:stretch>
-        </p:blipFill>
-        <p:spPr bwMode="auto">
-          <a:xfrm>
-            <a:off x="3357555" y="1571612"/>
-            <a:ext cx="2138056" cy="4578351"/>
-          </a:xfrm>
-          <a:prstGeom prst="rect">
-            <a:avLst/>
-          </a:prstGeom>
-          <a:noFill/>
-        </p:spPr>
-      </p:pic>
-      <p:pic>
-        <p:nvPicPr>
-          <p:cNvPr id="2052" name="Picture 4" descr="C:\Desktop\sudoku-ss3.png"/>
-          <p:cNvPicPr>
-            <a:picLocks noChangeAspect="1" noChangeArrowheads="1"/>
-          </p:cNvPicPr>
-          <p:nvPr/>
-        </p:nvPicPr>
-        <p:blipFill>
-          <a:blip r:embed="rId4"/>
-          <a:srcRect/>
-          <a:stretch>
-            <a:fillRect/>
-          </a:stretch>
-        </p:blipFill>
-        <p:spPr bwMode="auto">
-          <a:xfrm>
-            <a:off x="6286512" y="1500174"/>
-            <a:ext cx="2167201" cy="4650450"/>
-          </a:xfrm>
-          <a:prstGeom prst="rect">
-            <a:avLst/>
-          </a:prstGeom>
-          <a:noFill/>
-        </p:spPr>
-      </p:pic>
-    </p:spTree>
-  </p:cSld>
-  <p:clrMapOvr>
-    <a:masterClrMapping/>
-  </p:clrMapOvr>
-  <p:transition>
-    <p:zoom dir="in"/>
-  </p:transition>
-  <p:timing>
-    <p:tnLst>
-      <p:par>
-        <p:cTn id="1" dur="indefinite" restart="never" nodeType="tmRoot"/>
-      </p:par>
-    </p:tnLst>
-  </p:timing>
-</p:sld>
-</file>
-
-<file path=ppt/slides/slide14.xml><?xml version="1.0" encoding="utf-8"?>
 <p:sld xmlns:a="http://schemas.openxmlformats.org/drawingml/2006/main" xmlns:r="http://schemas.openxmlformats.org/officeDocument/2006/relationships" xmlns:p="http://schemas.openxmlformats.org/presentationml/2006/main">
   <p:cSld>
     <p:spTree>
@@ -4783,167 +4524,6 @@
         </p:nvSpPr>
         <p:spPr>
           <a:xfrm>
-            <a:off x="457200" y="357166"/>
-            <a:ext cx="8229600" cy="6097642"/>
-          </a:xfrm>
-        </p:spPr>
-        <p:txBody>
-          <a:bodyPr>
-            <a:normAutofit/>
-          </a:bodyPr>
-          <a:lstStyle/>
-          <a:p>
-            <a:r>
-              <a:rPr lang="tr-TR" sz="2400" dirty="0" smtClean="0"/>
-              <a:t>Mevcut haliyle oyun 1979'da Amerikan </a:t>
-            </a:r>
-            <a:r>
-              <a:rPr lang="tr-TR" sz="2400" dirty="0" err="1" smtClean="0"/>
-              <a:t>Howard</a:t>
-            </a:r>
-            <a:r>
-              <a:rPr lang="tr-TR" sz="2400" dirty="0" smtClean="0"/>
-              <a:t> </a:t>
-            </a:r>
-            <a:r>
-              <a:rPr lang="tr-TR" sz="2400" dirty="0" err="1" smtClean="0"/>
-              <a:t>Garns</a:t>
-            </a:r>
-            <a:r>
-              <a:rPr lang="tr-TR" sz="2400" dirty="0" smtClean="0"/>
-              <a:t> tarafından icat edilmiş ve </a:t>
-            </a:r>
-            <a:r>
-              <a:rPr lang="tr-TR" sz="2400" dirty="0" err="1" smtClean="0"/>
-              <a:t>Dell</a:t>
-            </a:r>
-            <a:r>
-              <a:rPr lang="tr-TR" sz="2400" dirty="0" smtClean="0"/>
-              <a:t> Dergileri tarafından "Yerinde Sayılar" olarak sergilenmiştir. 1984 yılında, Japonya'dan Maki </a:t>
-            </a:r>
-            <a:r>
-              <a:rPr lang="tr-TR" sz="2400" dirty="0" err="1" smtClean="0"/>
-              <a:t>Kaji</a:t>
-            </a:r>
-            <a:r>
-              <a:rPr lang="tr-TR" sz="2400" dirty="0" smtClean="0"/>
-              <a:t> bunu bulmaca şirketi </a:t>
-            </a:r>
-            <a:r>
-              <a:rPr lang="tr-TR" sz="2400" dirty="0" err="1" smtClean="0"/>
-              <a:t>Nikoli'nin</a:t>
-            </a:r>
-            <a:r>
-              <a:rPr lang="tr-TR" sz="2400" dirty="0" smtClean="0"/>
-              <a:t> dergisinde yayınladı. Oyuna "Tek Sayılar" anlamına gelen modern </a:t>
-            </a:r>
-            <a:r>
-              <a:rPr lang="tr-TR" sz="2400" dirty="0" err="1" smtClean="0"/>
-              <a:t>Sudoku</a:t>
-            </a:r>
-            <a:r>
-              <a:rPr lang="tr-TR" sz="2400" dirty="0" smtClean="0"/>
-              <a:t> adını verdi. Bulmaca Japonya'da trend oldu ve orada Yeni Zelandalı </a:t>
-            </a:r>
-            <a:r>
-              <a:rPr lang="tr-TR" sz="2400" dirty="0" err="1" smtClean="0"/>
-              <a:t>Wayne</a:t>
-            </a:r>
-            <a:r>
-              <a:rPr lang="tr-TR" sz="2400" dirty="0" smtClean="0"/>
-              <a:t> </a:t>
-            </a:r>
-            <a:r>
-              <a:rPr lang="tr-TR" sz="2400" dirty="0" err="1" smtClean="0"/>
-              <a:t>Gould</a:t>
-            </a:r>
-            <a:r>
-              <a:rPr lang="tr-TR" sz="2400" dirty="0" smtClean="0"/>
-              <a:t> tarafından keşfedildi, daha sonra </a:t>
-            </a:r>
-            <a:r>
-              <a:rPr lang="tr-TR" sz="2400" dirty="0" err="1" smtClean="0"/>
-              <a:t>Sudoku'yu</a:t>
-            </a:r>
-            <a:r>
-              <a:rPr lang="tr-TR" sz="2400" dirty="0" smtClean="0"/>
-              <a:t> üretecek bir bilgisayar programı yazıldı. 2004'te başlayan Londra gazetesinde </a:t>
-            </a:r>
-            <a:r>
-              <a:rPr lang="tr-TR" sz="2400" dirty="0" err="1" smtClean="0"/>
-              <a:t>The</a:t>
-            </a:r>
-            <a:r>
-              <a:rPr lang="tr-TR" sz="2400" dirty="0" smtClean="0"/>
-              <a:t> </a:t>
-            </a:r>
-            <a:r>
-              <a:rPr lang="tr-TR" sz="2400" dirty="0" err="1" smtClean="0"/>
-              <a:t>Times</a:t>
-            </a:r>
-            <a:r>
-              <a:rPr lang="tr-TR" sz="2400" dirty="0" smtClean="0"/>
-              <a:t> gazetesinde bazı bulmacalar yayımladı. Kısa süre sonra </a:t>
-            </a:r>
-            <a:r>
-              <a:rPr lang="tr-TR" sz="2400" dirty="0" err="1" smtClean="0"/>
-              <a:t>Sudoku</a:t>
-            </a:r>
-            <a:r>
-              <a:rPr lang="tr-TR" sz="2400" dirty="0" smtClean="0"/>
-              <a:t> İngiltere'yi süpürdü. Bulmaca sonunda 2005 yılında ABD'de trend oldu. Birçok gazete ve dergide düzenli bir özellik haline geldi ve dünyanın her yerinden insanlar tarafından beğenildi.</a:t>
-            </a:r>
-            <a:endParaRPr lang="tr-TR" sz="2400" dirty="0"/>
-          </a:p>
-        </p:txBody>
-      </p:sp>
-    </p:spTree>
-  </p:cSld>
-  <p:clrMapOvr>
-    <a:masterClrMapping/>
-  </p:clrMapOvr>
-  <p:transition>
-    <p:wipe/>
-  </p:transition>
-  <p:timing>
-    <p:tnLst>
-      <p:par>
-        <p:cTn id="1" dur="indefinite" restart="never" nodeType="tmRoot"/>
-      </p:par>
-    </p:tnLst>
-  </p:timing>
-</p:sld>
-</file>
-
-<file path=ppt/slides/slide4.xml><?xml version="1.0" encoding="utf-8"?>
-<p:sld xmlns:a="http://schemas.openxmlformats.org/drawingml/2006/main" xmlns:r="http://schemas.openxmlformats.org/officeDocument/2006/relationships" xmlns:p="http://schemas.openxmlformats.org/presentationml/2006/main">
-  <p:cSld>
-    <p:spTree>
-      <p:nvGrpSpPr>
-        <p:cNvPr id="1" name=""/>
-        <p:cNvGrpSpPr/>
-        <p:nvPr/>
-      </p:nvGrpSpPr>
-      <p:grpSpPr>
-        <a:xfrm>
-          <a:off x="0" y="0"/>
-          <a:ext cx="0" cy="0"/>
-          <a:chOff x="0" y="0"/>
-          <a:chExt cx="0" cy="0"/>
-        </a:xfrm>
-      </p:grpSpPr>
-      <p:sp>
-        <p:nvSpPr>
-          <p:cNvPr id="3" name="2 İçerik Yer Tutucusu"/>
-          <p:cNvSpPr>
-            <a:spLocks noGrp="1"/>
-          </p:cNvSpPr>
-          <p:nvPr>
-            <p:ph idx="1"/>
-          </p:nvPr>
-        </p:nvSpPr>
-        <p:spPr>
-          <a:xfrm>
             <a:off x="457200" y="1714488"/>
             <a:ext cx="8229600" cy="4740320"/>
           </a:xfrm>
@@ -5125,7 +4705,7 @@
 </p:sld>
 </file>
 
-<file path=ppt/slides/slide5.xml><?xml version="1.0" encoding="utf-8"?>
+<file path=ppt/slides/slide4.xml><?xml version="1.0" encoding="utf-8"?>
 <p:sld xmlns:a="http://schemas.openxmlformats.org/drawingml/2006/main" xmlns:r="http://schemas.openxmlformats.org/officeDocument/2006/relationships" xmlns:p="http://schemas.openxmlformats.org/presentationml/2006/main">
   <p:cSld>
     <p:spTree>
@@ -5338,7 +4918,7 @@
 </p:sld>
 </file>
 
-<file path=ppt/slides/slide6.xml><?xml version="1.0" encoding="utf-8"?>
+<file path=ppt/slides/slide5.xml><?xml version="1.0" encoding="utf-8"?>
 <p:sld xmlns:a="http://schemas.openxmlformats.org/drawingml/2006/main" xmlns:r="http://schemas.openxmlformats.org/officeDocument/2006/relationships" xmlns:p="http://schemas.openxmlformats.org/presentationml/2006/main">
   <p:cSld>
     <p:spTree>
@@ -5566,7 +5146,7 @@
 </p:sld>
 </file>
 
-<file path=ppt/slides/slide7.xml><?xml version="1.0" encoding="utf-8"?>
+<file path=ppt/slides/slide6.xml><?xml version="1.0" encoding="utf-8"?>
 <p:sld xmlns:a="http://schemas.openxmlformats.org/drawingml/2006/main" xmlns:r="http://schemas.openxmlformats.org/officeDocument/2006/relationships" xmlns:p="http://schemas.openxmlformats.org/presentationml/2006/main">
   <p:cSld>
     <p:spTree>
@@ -5824,7 +5404,7 @@
 </p:sld>
 </file>
 
-<file path=ppt/slides/slide8.xml><?xml version="1.0" encoding="utf-8"?>
+<file path=ppt/slides/slide7.xml><?xml version="1.0" encoding="utf-8"?>
 <p:sld xmlns:a="http://schemas.openxmlformats.org/drawingml/2006/main" xmlns:r="http://schemas.openxmlformats.org/officeDocument/2006/relationships" xmlns:p="http://schemas.openxmlformats.org/presentationml/2006/main">
   <p:cSld>
     <p:spTree>
@@ -6046,7 +5626,7 @@
 </p:sld>
 </file>
 
-<file path=ppt/slides/slide9.xml><?xml version="1.0" encoding="utf-8"?>
+<file path=ppt/slides/slide8.xml><?xml version="1.0" encoding="utf-8"?>
 <p:sld xmlns:a="http://schemas.openxmlformats.org/drawingml/2006/main" xmlns:r="http://schemas.openxmlformats.org/officeDocument/2006/relationships" xmlns:p="http://schemas.openxmlformats.org/presentationml/2006/main">
   <p:cSld>
     <p:spTree>
@@ -6209,6 +5789,113 @@
   </p:clrMapOvr>
   <p:transition>
     <p:zoom dir="in"/>
+  </p:transition>
+  <p:timing>
+    <p:tnLst>
+      <p:par>
+        <p:cTn id="1" dur="indefinite" restart="never" nodeType="tmRoot"/>
+      </p:par>
+    </p:tnLst>
+  </p:timing>
+</p:sld>
+</file>
+
+<file path=ppt/slides/slide9.xml><?xml version="1.0" encoding="utf-8"?>
+<p:sld xmlns:a="http://schemas.openxmlformats.org/drawingml/2006/main" xmlns:r="http://schemas.openxmlformats.org/officeDocument/2006/relationships" xmlns:p="http://schemas.openxmlformats.org/presentationml/2006/main">
+  <p:cSld>
+    <p:spTree>
+      <p:nvGrpSpPr>
+        <p:cNvPr id="1" name=""/>
+        <p:cNvGrpSpPr/>
+        <p:nvPr/>
+      </p:nvGrpSpPr>
+      <p:grpSpPr>
+        <a:xfrm>
+          <a:off x="0" y="0"/>
+          <a:ext cx="0" cy="0"/>
+          <a:chOff x="0" y="0"/>
+          <a:chExt cx="0" cy="0"/>
+        </a:xfrm>
+      </p:grpSpPr>
+      <p:sp>
+        <p:nvSpPr>
+          <p:cNvPr id="3" name="2 İçerik Yer Tutucusu"/>
+          <p:cNvSpPr>
+            <a:spLocks noGrp="1"/>
+          </p:cNvSpPr>
+          <p:nvPr>
+            <p:ph idx="1"/>
+          </p:nvPr>
+        </p:nvSpPr>
+        <p:spPr>
+          <a:xfrm>
+            <a:off x="457200" y="500042"/>
+            <a:ext cx="8229600" cy="5954766"/>
+          </a:xfrm>
+        </p:spPr>
+        <p:txBody>
+          <a:bodyPr/>
+          <a:lstStyle/>
+          <a:p>
+            <a:r>
+              <a:rPr lang="tr-TR" dirty="0" smtClean="0"/>
+              <a:t>Bir fonksiyon oluşturup  9x9 ebatlarında karelerimi kontrol ettirip gerçekleştirdim. </a:t>
+            </a:r>
+            <a:r>
+              <a:rPr lang="tr-TR" dirty="0" err="1" smtClean="0"/>
+              <a:t>W</a:t>
+            </a:r>
+            <a:r>
+              <a:rPr lang="tr-TR" dirty="0" err="1" smtClean="0"/>
+              <a:t>hile</a:t>
+            </a:r>
+            <a:r>
+              <a:rPr lang="tr-TR" dirty="0" smtClean="0"/>
+              <a:t> </a:t>
+            </a:r>
+            <a:r>
+              <a:rPr lang="tr-TR" dirty="0" smtClean="0"/>
+              <a:t>döngüsü oluşturdum.</a:t>
+            </a:r>
+          </a:p>
+          <a:p>
+            <a:endParaRPr lang="tr-TR" dirty="0"/>
+          </a:p>
+        </p:txBody>
+      </p:sp>
+      <p:pic>
+        <p:nvPicPr>
+          <p:cNvPr id="3074" name="Picture 2" descr="C:\Desktop\sudoku-kod-görüntüleri\andkod2.PNG"/>
+          <p:cNvPicPr>
+            <a:picLocks noChangeAspect="1" noChangeArrowheads="1"/>
+          </p:cNvPicPr>
+          <p:nvPr/>
+        </p:nvPicPr>
+        <p:blipFill>
+          <a:blip r:embed="rId2"/>
+          <a:srcRect/>
+          <a:stretch>
+            <a:fillRect/>
+          </a:stretch>
+        </p:blipFill>
+        <p:spPr bwMode="auto">
+          <a:xfrm>
+            <a:off x="1643042" y="2857496"/>
+            <a:ext cx="5926138" cy="3038475"/>
+          </a:xfrm>
+          <a:prstGeom prst="rect">
+            <a:avLst/>
+          </a:prstGeom>
+          <a:noFill/>
+        </p:spPr>
+      </p:pic>
+    </p:spTree>
+  </p:cSld>
+  <p:clrMapOvr>
+    <a:masterClrMapping/>
+  </p:clrMapOvr>
+  <p:transition>
+    <p:dissolve/>
   </p:transition>
   <p:timing>
     <p:tnLst>
